--- a/grails-die-suche-ist-vorbei/grails-jugostfalen-2012.pptx
+++ b/grails-die-suche-ist-vorbei/grails-jugostfalen-2012.pptx
@@ -3374,7 +3374,7 @@
             <a:fld id="{E4B7E1CC-5804-4FAA-A440-E3B0242BB0EE}" type="datetimeFigureOut">
               <a:rPr lang="de-DE" smtClean="0"/>
               <a:pPr/>
-              <a:t>21.03.12</a:t>
+              <a:t>22.03.12</a:t>
             </a:fld>
             <a:endParaRPr lang="de-DE"/>
           </a:p>
@@ -3543,7 +3543,7 @@
             <a:fld id="{600A7168-685E-42A5-A6B5-B6E3AF6AADAA}" type="datetimeFigureOut">
               <a:rPr lang="de-DE" smtClean="0"/>
               <a:pPr/>
-              <a:t>21.03.12</a:t>
+              <a:t>22.03.12</a:t>
             </a:fld>
             <a:endParaRPr lang="de-DE"/>
           </a:p>
@@ -19912,7 +19912,24 @@
                 <a:latin typeface="Consolas" pitchFamily="49" charset="0"/>
                 <a:cs typeface="Consolas" pitchFamily="49" charset="0"/>
               </a:rPr>
-              <a:t> 'Person(1, Fred, Feuerstein)' == </a:t>
+              <a:t> </a:t>
+            </a:r>
+            <a:r>
+              <a:rPr lang="de-DE" dirty="0" smtClean="0">
+                <a:solidFill>
+                  <a:schemeClr val="accent5"/>
+                </a:solidFill>
+                <a:latin typeface="Consolas" pitchFamily="49" charset="0"/>
+                <a:cs typeface="Consolas" pitchFamily="49" charset="0"/>
+              </a:rPr>
+              <a:t>'Person(1, Fred, Feuerstein)'</a:t>
+            </a:r>
+            <a:r>
+              <a:rPr lang="de-DE" dirty="0" smtClean="0">
+                <a:latin typeface="Consolas" pitchFamily="49" charset="0"/>
+                <a:cs typeface="Consolas" pitchFamily="49" charset="0"/>
+              </a:rPr>
+              <a:t> == </a:t>
             </a:r>
             <a:r>
               <a:rPr lang="de-DE" dirty="0" err="1" smtClean="0">
@@ -20143,8 +20160,8 @@
         </p:nvSpPr>
         <p:spPr>
           <a:xfrm>
-            <a:off x="395537" y="1268760"/>
-            <a:ext cx="8352928" cy="4770537"/>
+            <a:off x="395536" y="1268760"/>
+            <a:ext cx="8496943" cy="4770537"/>
           </a:xfrm>
           <a:prstGeom prst="rect">
             <a:avLst/>
@@ -21017,7 +21034,7 @@
                 <a:latin typeface="Consolas" pitchFamily="49" charset="0"/>
                 <a:cs typeface="Consolas" pitchFamily="49" charset="0"/>
               </a:rPr>
-              <a:t>{</a:t>
+              <a:t>{ </a:t>
             </a:r>
             <a:r>
               <a:rPr lang="de-DE" sz="1600" dirty="0" err="1" smtClean="0">
@@ -21031,7 +21048,28 @@
                 <a:latin typeface="Consolas" pitchFamily="49" charset="0"/>
                 <a:cs typeface="Consolas" pitchFamily="49" charset="0"/>
               </a:rPr>
-              <a:t> == 'Feuerstein'}.</a:t>
+              <a:t> </a:t>
+            </a:r>
+            <a:r>
+              <a:rPr lang="de-DE" sz="1600" dirty="0" smtClean="0">
+                <a:latin typeface="Consolas" pitchFamily="49" charset="0"/>
+                <a:cs typeface="Consolas" pitchFamily="49" charset="0"/>
+              </a:rPr>
+              <a:t>== '</a:t>
+            </a:r>
+            <a:r>
+              <a:rPr lang="de-DE" sz="1600" dirty="0" smtClean="0">
+                <a:latin typeface="Consolas" pitchFamily="49" charset="0"/>
+                <a:cs typeface="Consolas" pitchFamily="49" charset="0"/>
+              </a:rPr>
+              <a:t>Feuerstein' }</a:t>
+            </a:r>
+            <a:r>
+              <a:rPr lang="de-DE" sz="1600" dirty="0" smtClean="0">
+                <a:latin typeface="Consolas" pitchFamily="49" charset="0"/>
+                <a:cs typeface="Consolas" pitchFamily="49" charset="0"/>
+              </a:rPr>
+              <a:t>.</a:t>
             </a:r>
             <a:r>
               <a:rPr lang="de-DE" sz="1600" dirty="0" err="1" smtClean="0">
@@ -21143,7 +21181,7 @@
                 <a:latin typeface="Consolas" pitchFamily="49" charset="0"/>
                 <a:cs typeface="Consolas" pitchFamily="49" charset="0"/>
               </a:rPr>
-              <a:t>{</a:t>
+              <a:t>{ </a:t>
             </a:r>
             <a:r>
               <a:rPr lang="de-DE" sz="1600" dirty="0" err="1" smtClean="0">
@@ -21157,16 +21195,20 @@
                 <a:latin typeface="Consolas" pitchFamily="49" charset="0"/>
                 <a:cs typeface="Consolas" pitchFamily="49" charset="0"/>
               </a:rPr>
-              <a:t>}</a:t>
-            </a:r>
-          </a:p>
-          <a:p>
+              <a:t> }</a:t>
+            </a:r>
             <a:endParaRPr lang="de-DE" sz="1600" dirty="0" smtClean="0">
               <a:latin typeface="Consolas" pitchFamily="49" charset="0"/>
               <a:cs typeface="Consolas" pitchFamily="49" charset="0"/>
             </a:endParaRPr>
           </a:p>
           <a:p>
+            <a:endParaRPr lang="de-DE" sz="1600" dirty="0" smtClean="0">
+              <a:latin typeface="Consolas" pitchFamily="49" charset="0"/>
+              <a:cs typeface="Consolas" pitchFamily="49" charset="0"/>
+            </a:endParaRPr>
+          </a:p>
+          <a:p>
             <a:r>
               <a:rPr lang="de-DE" sz="1600" dirty="0" err="1" smtClean="0">
                 <a:latin typeface="Consolas" pitchFamily="49" charset="0"/>
@@ -21179,7 +21221,7 @@
                 <a:latin typeface="Consolas" pitchFamily="49" charset="0"/>
                 <a:cs typeface="Consolas" pitchFamily="49" charset="0"/>
               </a:rPr>
-              <a:t>{</a:t>
+              <a:t>{ </a:t>
             </a:r>
             <a:r>
               <a:rPr lang="de-DE" sz="1600" dirty="0" err="1" smtClean="0">
@@ -21193,10 +21235,17 @@
                 <a:latin typeface="Consolas" pitchFamily="49" charset="0"/>
                 <a:cs typeface="Consolas" pitchFamily="49" charset="0"/>
               </a:rPr>
-              <a:t> == </a:t>
+              <a:t> </a:t>
             </a:r>
             <a:r>
               <a:rPr lang="de-DE" sz="1600" dirty="0" smtClean="0">
+                <a:latin typeface="Consolas" pitchFamily="49" charset="0"/>
+                <a:cs typeface="Consolas" pitchFamily="49" charset="0"/>
+              </a:rPr>
+              <a:t>== </a:t>
+            </a:r>
+            <a:r>
+              <a:rPr lang="de-DE" sz="1600" dirty="0" smtClean="0">
                 <a:solidFill>
                   <a:srgbClr val="C00000"/>
                 </a:solidFill>
@@ -21223,7 +21272,7 @@
                 <a:latin typeface="Consolas" pitchFamily="49" charset="0"/>
                 <a:cs typeface="Consolas" pitchFamily="49" charset="0"/>
               </a:rPr>
-              <a:t>'</a:t>
+              <a:t>' </a:t>
             </a:r>
             <a:r>
               <a:rPr lang="de-DE" sz="1600" dirty="0" smtClean="0">
@@ -21232,6 +21281,10 @@
               </a:rPr>
               <a:t>}</a:t>
             </a:r>
+            <a:endParaRPr lang="de-DE" sz="1600" dirty="0" smtClean="0">
+              <a:latin typeface="Consolas" pitchFamily="49" charset="0"/>
+              <a:cs typeface="Consolas" pitchFamily="49" charset="0"/>
+            </a:endParaRPr>
           </a:p>
           <a:p>
             <a:r>
@@ -21317,7 +21370,7 @@
                 <a:latin typeface="Consolas" pitchFamily="49" charset="0"/>
                 <a:cs typeface="Consolas" pitchFamily="49" charset="0"/>
               </a:rPr>
-              <a:t>!"</a:t>
+              <a:t>!" </a:t>
             </a:r>
             <a:r>
               <a:rPr lang="de-DE" sz="1600" dirty="0" smtClean="0">
@@ -31827,13 +31880,13 @@
       </p:sp>
       <p:sp>
         <p:nvSpPr>
-          <p:cNvPr id="4" name="Textfeld 3"/>
+          <p:cNvPr id="5" name="Textfeld 4"/>
           <p:cNvSpPr txBox="1"/>
           <p:nvPr/>
         </p:nvSpPr>
         <p:spPr>
           <a:xfrm>
-            <a:off x="683569" y="2191504"/>
+            <a:off x="683568" y="2204864"/>
             <a:ext cx="7776864" cy="2677656"/>
           </a:xfrm>
           <a:prstGeom prst="rect">
@@ -31849,6 +31902,9 @@
           <a:p>
             <a:r>
               <a:rPr lang="de-DE" sz="2400" dirty="0" err="1" smtClean="0">
+                <a:solidFill>
+                  <a:srgbClr val="7030A0"/>
+                </a:solidFill>
                 <a:latin typeface="Consolas" pitchFamily="49" charset="0"/>
                 <a:cs typeface="Consolas" pitchFamily="49" charset="0"/>
               </a:rPr>
@@ -31886,10 +31942,20 @@
             </a:r>
             <a:r>
               <a:rPr lang="en-US" sz="2400" dirty="0" smtClean="0">
-                <a:latin typeface="Consolas" pitchFamily="49" charset="0"/>
-                <a:cs typeface="Consolas" pitchFamily="49" charset="0"/>
-              </a:rPr>
-              <a:t>def name</a:t>
+                <a:solidFill>
+                  <a:srgbClr val="7030A0"/>
+                </a:solidFill>
+                <a:latin typeface="Consolas" pitchFamily="49" charset="0"/>
+                <a:cs typeface="Consolas" pitchFamily="49" charset="0"/>
+              </a:rPr>
+              <a:t>def</a:t>
+            </a:r>
+            <a:r>
+              <a:rPr lang="en-US" sz="2400" dirty="0" smtClean="0">
+                <a:latin typeface="Consolas" pitchFamily="49" charset="0"/>
+                <a:cs typeface="Consolas" pitchFamily="49" charset="0"/>
+              </a:rPr>
+              <a:t> name</a:t>
             </a:r>
             <a:endParaRPr lang="de-DE" sz="2400" dirty="0" smtClean="0">
               <a:latin typeface="Consolas" pitchFamily="49" charset="0"/>
@@ -31902,7 +31968,41 @@
                 <a:latin typeface="Consolas" pitchFamily="49" charset="0"/>
                 <a:cs typeface="Consolas" pitchFamily="49" charset="0"/>
               </a:rPr>
-              <a:t>    def greet() { "Hello $name!" }</a:t>
+              <a:t>    </a:t>
+            </a:r>
+            <a:r>
+              <a:rPr lang="en-US" sz="2400" dirty="0" smtClean="0">
+                <a:solidFill>
+                  <a:srgbClr val="7030A0"/>
+                </a:solidFill>
+                <a:latin typeface="Consolas" pitchFamily="49" charset="0"/>
+                <a:cs typeface="Consolas" pitchFamily="49" charset="0"/>
+              </a:rPr>
+              <a:t>def</a:t>
+            </a:r>
+            <a:r>
+              <a:rPr lang="en-US" sz="2400" dirty="0" smtClean="0">
+                <a:latin typeface="Consolas" pitchFamily="49" charset="0"/>
+                <a:cs typeface="Consolas" pitchFamily="49" charset="0"/>
+              </a:rPr>
+              <a:t> greet() { </a:t>
+            </a:r>
+            <a:r>
+              <a:rPr lang="en-US" sz="2400" dirty="0" smtClean="0">
+                <a:solidFill>
+                  <a:srgbClr val="C00000"/>
+                </a:solidFill>
+                <a:latin typeface="Consolas" pitchFamily="49" charset="0"/>
+                <a:cs typeface="Consolas" pitchFamily="49" charset="0"/>
+              </a:rPr>
+              <a:t>"Hello $name!"</a:t>
+            </a:r>
+            <a:r>
+              <a:rPr lang="en-US" sz="2400" dirty="0" smtClean="0">
+                <a:latin typeface="Consolas" pitchFamily="49" charset="0"/>
+                <a:cs typeface="Consolas" pitchFamily="49" charset="0"/>
+              </a:rPr>
+              <a:t> }</a:t>
             </a:r>
             <a:br>
               <a:rPr lang="en-US" sz="2400" dirty="0" smtClean="0">
@@ -31948,7 +32048,41 @@
                 <a:latin typeface="Consolas" pitchFamily="49" charset="0"/>
                 <a:cs typeface="Consolas" pitchFamily="49" charset="0"/>
               </a:rPr>
-              <a:t> = new Greeter(name: 'Groovy')</a:t>
+              <a:t> = </a:t>
+            </a:r>
+            <a:r>
+              <a:rPr lang="en-US" sz="2400" dirty="0" smtClean="0">
+                <a:solidFill>
+                  <a:srgbClr val="7030A0"/>
+                </a:solidFill>
+                <a:latin typeface="Consolas" pitchFamily="49" charset="0"/>
+                <a:cs typeface="Consolas" pitchFamily="49" charset="0"/>
+              </a:rPr>
+              <a:t>new</a:t>
+            </a:r>
+            <a:r>
+              <a:rPr lang="en-US" sz="2400" dirty="0" smtClean="0">
+                <a:latin typeface="Consolas" pitchFamily="49" charset="0"/>
+                <a:cs typeface="Consolas" pitchFamily="49" charset="0"/>
+              </a:rPr>
+              <a:t> Greeter(name: </a:t>
+            </a:r>
+            <a:r>
+              <a:rPr lang="en-US" sz="2400" dirty="0" smtClean="0">
+                <a:solidFill>
+                  <a:srgbClr val="C00000"/>
+                </a:solidFill>
+                <a:latin typeface="Consolas" pitchFamily="49" charset="0"/>
+                <a:cs typeface="Consolas" pitchFamily="49" charset="0"/>
+              </a:rPr>
+              <a:t>'Groovy'</a:t>
+            </a:r>
+            <a:r>
+              <a:rPr lang="en-US" sz="2400" dirty="0" smtClean="0">
+                <a:latin typeface="Consolas" pitchFamily="49" charset="0"/>
+                <a:cs typeface="Consolas" pitchFamily="49" charset="0"/>
+              </a:rPr>
+              <a:t>)</a:t>
             </a:r>
             <a:br>
               <a:rPr lang="en-US" sz="2400" dirty="0" smtClean="0">
@@ -31958,6 +32092,9 @@
             </a:br>
             <a:r>
               <a:rPr lang="en-US" sz="2400" dirty="0" err="1" smtClean="0">
+                <a:solidFill>
+                  <a:srgbClr val="7030A0"/>
+                </a:solidFill>
                 <a:latin typeface="Consolas" pitchFamily="49" charset="0"/>
                 <a:cs typeface="Consolas" pitchFamily="49" charset="0"/>
               </a:rPr>
